--- a/docs/AnnualReportsBook.pptx
+++ b/docs/AnnualReportsBook.pptx
@@ -3281,7 +3281,7 @@
             </a:pPr>
             <a:r>
               <a:rPr/>
-              <a:t>2020-03-09</a:t>
+              <a:t>2020-03-10</a:t>
             </a:r>
           </a:p>
         </p:txBody>
@@ -9702,7 +9702,7 @@
       </p:sp>
       <p:graphicFrame xmlns:a="http://schemas.openxmlformats.org/drawingml/2006/main" xmlns:r="http://schemas.openxmlformats.org/officeDocument/2006/relationships" xmlns:p="http://schemas.openxmlformats.org/presentationml/2006/main">
         <p:nvGraphicFramePr>
-          <p:cNvPr id="77178983" name=""/>
+          <p:cNvPr id="131448580" name=""/>
           <p:cNvGraphicFramePr>
             <a:graphicFrameLocks noGrp="true"/>
           </p:cNvGraphicFramePr>
@@ -22166,7 +22166,7 @@
                 <a:latin typeface="Courier"/>
               </a:rPr>
               <a:t>## % latex table generated in R 3.6.3 by xtable 1.8-4 package
-## % Mon Mar 09 16:08:04 2020
+## % Tue Mar 10 07:20:47 2020
 ## \begin{table}[ht]
 ## \centering
 ## \begin{tabular}{}
